--- a/Front-end/_Demos JS Fundamentals/06. Loops/white Loops.pptx
+++ b/Front-end/_Demos JS Fundamentals/06. Loops/white Loops.pptx
@@ -348,7 +348,7 @@
             <a:fld id="{D1B77015-66BC-45CA-AA9F-8F01D4469118}" type="datetimeFigureOut">
               <a:rPr lang="bg-BG" smtClean="0"/>
               <a:pPr/>
-              <a:t>8.7.2015 г.</a:t>
+              <a:t>24.6.2016 г.</a:t>
             </a:fld>
             <a:endParaRPr lang="bg-BG"/>
           </a:p>
@@ -744,7 +744,7 @@
     </p:spTree>
     <p:extLst>
       <p:ext uri="{BB962C8B-B14F-4D97-AF65-F5344CB8AC3E}">
-        <p14:creationId xmlns:p14="http://schemas.microsoft.com/office/powerpoint/2010/main" xmlns="" val="2997747266"/>
+        <p14:creationId xmlns="" xmlns:p14="http://schemas.microsoft.com/office/powerpoint/2010/main" val="2997747266"/>
       </p:ext>
     </p:extLst>
   </p:cSld>
@@ -884,7 +884,7 @@
     </p:spTree>
     <p:extLst>
       <p:ext uri="{BB962C8B-B14F-4D97-AF65-F5344CB8AC3E}">
-        <p14:creationId xmlns:p14="http://schemas.microsoft.com/office/powerpoint/2010/main" xmlns="" val="1540876721"/>
+        <p14:creationId xmlns="" xmlns:p14="http://schemas.microsoft.com/office/powerpoint/2010/main" val="1540876721"/>
       </p:ext>
     </p:extLst>
   </p:cSld>
@@ -1076,7 +1076,7 @@
             <a:fld id="{22B35730-BCF4-4396-B8B9-CDCD4DB8B04E}" type="datetimeFigureOut">
               <a:rPr lang="bg-BG" smtClean="0"/>
               <a:pPr/>
-              <a:t>8.7.2015 г.</a:t>
+              <a:t>24.6.2016 г.</a:t>
             </a:fld>
             <a:endParaRPr lang="bg-BG"/>
           </a:p>
@@ -1243,7 +1243,7 @@
             <a:fld id="{22B35730-BCF4-4396-B8B9-CDCD4DB8B04E}" type="datetimeFigureOut">
               <a:rPr lang="bg-BG" smtClean="0"/>
               <a:pPr/>
-              <a:t>8.7.2015 г.</a:t>
+              <a:t>24.6.2016 г.</a:t>
             </a:fld>
             <a:endParaRPr lang="bg-BG"/>
           </a:p>
@@ -1420,7 +1420,7 @@
             <a:fld id="{22B35730-BCF4-4396-B8B9-CDCD4DB8B04E}" type="datetimeFigureOut">
               <a:rPr lang="bg-BG" smtClean="0"/>
               <a:pPr/>
-              <a:t>8.7.2015 г.</a:t>
+              <a:t>24.6.2016 г.</a:t>
             </a:fld>
             <a:endParaRPr lang="bg-BG"/>
           </a:p>
@@ -1587,7 +1587,7 @@
             <a:fld id="{22B35730-BCF4-4396-B8B9-CDCD4DB8B04E}" type="datetimeFigureOut">
               <a:rPr lang="bg-BG" smtClean="0"/>
               <a:pPr/>
-              <a:t>8.7.2015 г.</a:t>
+              <a:t>24.6.2016 г.</a:t>
             </a:fld>
             <a:endParaRPr lang="bg-BG"/>
           </a:p>
@@ -1830,7 +1830,7 @@
             <a:fld id="{22B35730-BCF4-4396-B8B9-CDCD4DB8B04E}" type="datetimeFigureOut">
               <a:rPr lang="bg-BG" smtClean="0"/>
               <a:pPr/>
-              <a:t>8.7.2015 г.</a:t>
+              <a:t>24.6.2016 г.</a:t>
             </a:fld>
             <a:endParaRPr lang="bg-BG"/>
           </a:p>
@@ -2115,7 +2115,7 @@
             <a:fld id="{22B35730-BCF4-4396-B8B9-CDCD4DB8B04E}" type="datetimeFigureOut">
               <a:rPr lang="bg-BG" smtClean="0"/>
               <a:pPr/>
-              <a:t>8.7.2015 г.</a:t>
+              <a:t>24.6.2016 г.</a:t>
             </a:fld>
             <a:endParaRPr lang="bg-BG"/>
           </a:p>
@@ -2534,7 +2534,7 @@
             <a:fld id="{22B35730-BCF4-4396-B8B9-CDCD4DB8B04E}" type="datetimeFigureOut">
               <a:rPr lang="bg-BG" smtClean="0"/>
               <a:pPr/>
-              <a:t>8.7.2015 г.</a:t>
+              <a:t>24.6.2016 г.</a:t>
             </a:fld>
             <a:endParaRPr lang="bg-BG"/>
           </a:p>
@@ -2649,7 +2649,7 @@
             <a:fld id="{22B35730-BCF4-4396-B8B9-CDCD4DB8B04E}" type="datetimeFigureOut">
               <a:rPr lang="bg-BG" smtClean="0"/>
               <a:pPr/>
-              <a:t>8.7.2015 г.</a:t>
+              <a:t>24.6.2016 г.</a:t>
             </a:fld>
             <a:endParaRPr lang="bg-BG"/>
           </a:p>
@@ -2741,7 +2741,7 @@
             <a:fld id="{22B35730-BCF4-4396-B8B9-CDCD4DB8B04E}" type="datetimeFigureOut">
               <a:rPr lang="bg-BG" smtClean="0"/>
               <a:pPr/>
-              <a:t>8.7.2015 г.</a:t>
+              <a:t>24.6.2016 г.</a:t>
             </a:fld>
             <a:endParaRPr lang="bg-BG"/>
           </a:p>
@@ -3015,7 +3015,7 @@
             <a:fld id="{22B35730-BCF4-4396-B8B9-CDCD4DB8B04E}" type="datetimeFigureOut">
               <a:rPr lang="bg-BG" smtClean="0"/>
               <a:pPr/>
-              <a:t>8.7.2015 г.</a:t>
+              <a:t>24.6.2016 г.</a:t>
             </a:fld>
             <a:endParaRPr lang="bg-BG"/>
           </a:p>
@@ -3265,7 +3265,7 @@
             <a:fld id="{22B35730-BCF4-4396-B8B9-CDCD4DB8B04E}" type="datetimeFigureOut">
               <a:rPr lang="bg-BG" smtClean="0"/>
               <a:pPr/>
-              <a:t>8.7.2015 г.</a:t>
+              <a:t>24.6.2016 г.</a:t>
             </a:fld>
             <a:endParaRPr lang="bg-BG"/>
           </a:p>
@@ -3475,7 +3475,7 @@
             <a:fld id="{22B35730-BCF4-4396-B8B9-CDCD4DB8B04E}" type="datetimeFigureOut">
               <a:rPr lang="bg-BG" smtClean="0"/>
               <a:pPr/>
-              <a:t>8.7.2015 г.</a:t>
+              <a:t>24.6.2016 г.</a:t>
             </a:fld>
             <a:endParaRPr lang="bg-BG"/>
           </a:p>
@@ -4353,7 +4353,7 @@
         <p:spPr bwMode="auto">
           <a:xfrm>
             <a:off x="611560" y="2924944"/>
-            <a:ext cx="7489825" cy="1323439"/>
+            <a:ext cx="7489825" cy="1015663"/>
           </a:xfrm>
           <a:prstGeom prst="rect">
             <a:avLst/>
@@ -4465,31 +4465,6 @@
               <a:buSzPct val="70000"/>
             </a:pPr>
             <a:r>
-              <a:rPr lang="en-US" sz="2000" b="1" noProof="1">
-                <a:effectLst>
-                  <a:outerShdw blurRad="38100" dist="38100" dir="2700000" algn="tl">
-                    <a:srgbClr val="000000">
-                      <a:alpha val="43137"/>
-                    </a:srgbClr>
-                  </a:outerShdw>
-                </a:effectLst>
-                <a:latin typeface="Consolas" pitchFamily="49" charset="0"/>
-                <a:cs typeface="Consolas" pitchFamily="49" charset="0"/>
-              </a:rPr>
-              <a:t>}</a:t>
-            </a:r>
-          </a:p>
-          <a:p>
-            <a:pPr lvl="1" eaLnBrk="0" hangingPunct="0">
-              <a:buClr>
-                <a:schemeClr val="accent5">
-                  <a:lumMod val="40000"/>
-                  <a:lumOff val="60000"/>
-                </a:schemeClr>
-              </a:buClr>
-              <a:buSzPct val="70000"/>
-            </a:pPr>
-            <a:r>
               <a:rPr lang="en-US" sz="2000" b="1" noProof="1" smtClean="0">
                 <a:effectLst>
                   <a:outerShdw blurRad="38100" dist="38100" dir="2700000" algn="tl">
@@ -4501,7 +4476,21 @@
                 <a:latin typeface="Consolas" pitchFamily="49" charset="0"/>
                 <a:cs typeface="Consolas" pitchFamily="49" charset="0"/>
               </a:rPr>
-              <a:t>while (condition);</a:t>
+              <a:t>} while </a:t>
+            </a:r>
+            <a:r>
+              <a:rPr lang="en-US" sz="2000" b="1" noProof="1" smtClean="0">
+                <a:effectLst>
+                  <a:outerShdw blurRad="38100" dist="38100" dir="2700000" algn="tl">
+                    <a:srgbClr val="000000">
+                      <a:alpha val="43137"/>
+                    </a:srgbClr>
+                  </a:outerShdw>
+                </a:effectLst>
+                <a:latin typeface="Consolas" pitchFamily="49" charset="0"/>
+                <a:cs typeface="Consolas" pitchFamily="49" charset="0"/>
+              </a:rPr>
+              <a:t>(condition);</a:t>
             </a:r>
             <a:endParaRPr lang="en-US" sz="2000" b="1" noProof="1">
               <a:effectLst>
@@ -13639,7 +13628,7 @@
     </p:spTree>
     <p:extLst>
       <p:ext uri="{BB962C8B-B14F-4D97-AF65-F5344CB8AC3E}">
-        <p14:creationId xmlns:p14="http://schemas.microsoft.com/office/powerpoint/2010/main" xmlns="" val="986943213"/>
+        <p14:creationId xmlns="" xmlns:p14="http://schemas.microsoft.com/office/powerpoint/2010/main" val="986943213"/>
       </p:ext>
     </p:extLst>
   </p:cSld>
@@ -14150,7 +14139,7 @@
     </p:spTree>
     <p:extLst>
       <p:ext uri="{BB962C8B-B14F-4D97-AF65-F5344CB8AC3E}">
-        <p14:creationId xmlns:p14="http://schemas.microsoft.com/office/powerpoint/2010/main" xmlns="" val="4229004850"/>
+        <p14:creationId xmlns="" xmlns:p14="http://schemas.microsoft.com/office/powerpoint/2010/main" val="4229004850"/>
       </p:ext>
     </p:extLst>
   </p:cSld>
@@ -15755,7 +15744,7 @@
           <a:blip r:embed="rId2" cstate="print">
             <a:extLst>
               <a:ext uri="{28A0092B-C50C-407E-A947-70E740481C1C}">
-                <a14:useLocalDpi xmlns:a14="http://schemas.microsoft.com/office/drawing/2010/main" xmlns="" val="0"/>
+                <a14:useLocalDpi xmlns="" xmlns:a14="http://schemas.microsoft.com/office/drawing/2010/main" val="0"/>
               </a:ext>
             </a:extLst>
           </a:blip>
@@ -15775,7 +15764,7 @@
           <a:noFill/>
           <a:extLst>
             <a:ext uri="{909E8E84-426E-40DD-AFC4-6F175D3DCCD1}">
-              <a14:hiddenFill xmlns:a14="http://schemas.microsoft.com/office/drawing/2010/main" xmlns="">
+              <a14:hiddenFill xmlns="" xmlns:a14="http://schemas.microsoft.com/office/drawing/2010/main">
                 <a:solidFill>
                   <a:srgbClr val="FFFFFF"/>
                 </a:solidFill>
